--- a/final_project_presentation_v3_10_31_2019.pptx
+++ b/final_project_presentation_v3_10_31_2019.pptx
@@ -15,8 +15,9 @@
     <p:sldId id="264" r:id="rId9"/>
     <p:sldId id="265" r:id="rId10"/>
     <p:sldId id="266" r:id="rId11"/>
-    <p:sldId id="268" r:id="rId12"/>
-    <p:sldId id="269" r:id="rId13"/>
+    <p:sldId id="271" r:id="rId12"/>
+    <p:sldId id="268" r:id="rId13"/>
+    <p:sldId id="269" r:id="rId14"/>
   </p:sldIdLst>
   <p:sldSz cx="12192000" cy="6858000"/>
   <p:notesSz cx="6858000" cy="9144000"/>
@@ -130,6 +131,7 @@
             <p14:sldId id="264"/>
             <p14:sldId id="265"/>
             <p14:sldId id="266"/>
+            <p14:sldId id="271"/>
             <p14:sldId id="268"/>
             <p14:sldId id="269"/>
           </p14:sldIdLst>
@@ -6718,6 +6720,242 @@
           <a:chExt cx="0" cy="0"/>
         </a:xfrm>
       </p:grpSpPr>
+      <p:sp>
+        <p:nvSpPr>
+          <p:cNvPr id="7" name="Rectangle 6">
+            <a:extLst>
+              <a:ext uri="{FF2B5EF4-FFF2-40B4-BE49-F238E27FC236}">
+                <a16:creationId xmlns:a16="http://schemas.microsoft.com/office/drawing/2014/main" id="{60FEA70A-1420-F94E-9220-6F85D3949123}"/>
+              </a:ext>
+            </a:extLst>
+          </p:cNvPr>
+          <p:cNvSpPr/>
+          <p:nvPr/>
+        </p:nvSpPr>
+        <p:spPr>
+          <a:xfrm>
+            <a:off x="182880" y="334407"/>
+            <a:ext cx="11837324" cy="646331"/>
+          </a:xfrm>
+          <a:prstGeom prst="rect">
+            <a:avLst/>
+          </a:prstGeom>
+          <a:noFill/>
+        </p:spPr>
+        <p:txBody>
+          <a:bodyPr wrap="square" lIns="91440" tIns="45720" rIns="91440" bIns="45720">
+            <a:spAutoFit/>
+          </a:bodyPr>
+          <a:lstStyle/>
+          <a:p>
+            <a:pPr algn="ctr"/>
+            <a:r>
+              <a:rPr lang="en-US" sz="3600" spc="50" dirty="0">
+                <a:ln w="0"/>
+                <a:effectLst>
+                  <a:outerShdw blurRad="50800" dist="38100" algn="l" rotWithShape="0">
+                    <a:prstClr val="black">
+                      <a:alpha val="40000"/>
+                    </a:prstClr>
+                  </a:outerShdw>
+                </a:effectLst>
+              </a:rPr>
+              <a:t>Evaluating the Model</a:t>
+            </a:r>
+          </a:p>
+        </p:txBody>
+      </p:sp>
+      <p:pic>
+        <p:nvPicPr>
+          <p:cNvPr id="5" name="Content Placeholder 4">
+            <a:extLst>
+              <a:ext uri="{FF2B5EF4-FFF2-40B4-BE49-F238E27FC236}">
+                <a16:creationId xmlns:a16="http://schemas.microsoft.com/office/drawing/2014/main" id="{5E860C9F-BD4A-2846-85BA-41EEE9585756}"/>
+              </a:ext>
+            </a:extLst>
+          </p:cNvPr>
+          <p:cNvPicPr>
+            <a:picLocks noGrp="1" noChangeAspect="1"/>
+          </p:cNvPicPr>
+          <p:nvPr>
+            <p:ph idx="1"/>
+          </p:nvPr>
+        </p:nvPicPr>
+        <p:blipFill>
+          <a:blip r:embed="rId2">
+            <a:extLst>
+              <a:ext uri="{28A0092B-C50C-407E-A947-70E740481C1C}">
+                <a14:useLocalDpi xmlns:a14="http://schemas.microsoft.com/office/drawing/2010/main" val="0"/>
+              </a:ext>
+            </a:extLst>
+          </a:blip>
+          <a:stretch>
+            <a:fillRect/>
+          </a:stretch>
+        </p:blipFill>
+        <p:spPr>
+          <a:xfrm>
+            <a:off x="536143" y="1271556"/>
+            <a:ext cx="4464023" cy="4835699"/>
+          </a:xfrm>
+        </p:spPr>
+      </p:pic>
+      <p:pic>
+        <p:nvPicPr>
+          <p:cNvPr id="11" name="Picture 10">
+            <a:extLst>
+              <a:ext uri="{FF2B5EF4-FFF2-40B4-BE49-F238E27FC236}">
+                <a16:creationId xmlns:a16="http://schemas.microsoft.com/office/drawing/2014/main" id="{699F7F97-3662-C74F-95AD-4B23C0837AF4}"/>
+              </a:ext>
+            </a:extLst>
+          </p:cNvPr>
+          <p:cNvPicPr>
+            <a:picLocks noChangeAspect="1"/>
+          </p:cNvPicPr>
+          <p:nvPr/>
+        </p:nvPicPr>
+        <p:blipFill>
+          <a:blip r:embed="rId3">
+            <a:extLst>
+              <a:ext uri="{28A0092B-C50C-407E-A947-70E740481C1C}">
+                <a14:useLocalDpi xmlns:a14="http://schemas.microsoft.com/office/drawing/2010/main" val="0"/>
+              </a:ext>
+            </a:extLst>
+          </a:blip>
+          <a:stretch>
+            <a:fillRect/>
+          </a:stretch>
+        </p:blipFill>
+        <p:spPr>
+          <a:xfrm>
+            <a:off x="5450774" y="1295053"/>
+            <a:ext cx="5581403" cy="4812203"/>
+          </a:xfrm>
+          <a:prstGeom prst="rect">
+            <a:avLst/>
+          </a:prstGeom>
+        </p:spPr>
+      </p:pic>
+      <p:sp>
+        <p:nvSpPr>
+          <p:cNvPr id="12" name="Rectangle 11">
+            <a:extLst>
+              <a:ext uri="{FF2B5EF4-FFF2-40B4-BE49-F238E27FC236}">
+                <a16:creationId xmlns:a16="http://schemas.microsoft.com/office/drawing/2014/main" id="{875C2A3C-9357-8B48-9ED6-54159B1EB75D}"/>
+              </a:ext>
+            </a:extLst>
+          </p:cNvPr>
+          <p:cNvSpPr/>
+          <p:nvPr/>
+        </p:nvSpPr>
+        <p:spPr>
+          <a:xfrm>
+            <a:off x="-130629" y="6123483"/>
+            <a:ext cx="5581403" cy="400110"/>
+          </a:xfrm>
+          <a:prstGeom prst="rect">
+            <a:avLst/>
+          </a:prstGeom>
+          <a:noFill/>
+        </p:spPr>
+        <p:txBody>
+          <a:bodyPr wrap="square" lIns="91440" tIns="45720" rIns="91440" bIns="45720">
+            <a:spAutoFit/>
+          </a:bodyPr>
+          <a:lstStyle/>
+          <a:p>
+            <a:pPr algn="ctr"/>
+            <a:r>
+              <a:rPr lang="en-US" sz="2000" spc="50" dirty="0">
+                <a:ln w="0"/>
+                <a:effectLst>
+                  <a:outerShdw blurRad="50800" dist="38100" algn="l" rotWithShape="0">
+                    <a:prstClr val="black">
+                      <a:alpha val="40000"/>
+                    </a:prstClr>
+                  </a:outerShdw>
+                </a:effectLst>
+              </a:rPr>
+              <a:t>NLU</a:t>
+            </a:r>
+          </a:p>
+        </p:txBody>
+      </p:sp>
+      <p:sp>
+        <p:nvSpPr>
+          <p:cNvPr id="13" name="Rectangle 12">
+            <a:extLst>
+              <a:ext uri="{FF2B5EF4-FFF2-40B4-BE49-F238E27FC236}">
+                <a16:creationId xmlns:a16="http://schemas.microsoft.com/office/drawing/2014/main" id="{20816944-BEA1-1A4F-B06E-A5D526271D84}"/>
+              </a:ext>
+            </a:extLst>
+          </p:cNvPr>
+          <p:cNvSpPr/>
+          <p:nvPr/>
+        </p:nvSpPr>
+        <p:spPr>
+          <a:xfrm>
+            <a:off x="5626925" y="6123483"/>
+            <a:ext cx="5581403" cy="400110"/>
+          </a:xfrm>
+          <a:prstGeom prst="rect">
+            <a:avLst/>
+          </a:prstGeom>
+          <a:noFill/>
+        </p:spPr>
+        <p:txBody>
+          <a:bodyPr wrap="square" lIns="91440" tIns="45720" rIns="91440" bIns="45720">
+            <a:spAutoFit/>
+          </a:bodyPr>
+          <a:lstStyle/>
+          <a:p>
+            <a:pPr algn="ctr"/>
+            <a:r>
+              <a:rPr lang="en-US" sz="2000" spc="50" dirty="0">
+                <a:ln w="0"/>
+                <a:effectLst>
+                  <a:outerShdw blurRad="50800" dist="38100" algn="l" rotWithShape="0">
+                    <a:prstClr val="black">
+                      <a:alpha val="40000"/>
+                    </a:prstClr>
+                  </a:outerShdw>
+                </a:effectLst>
+              </a:rPr>
+              <a:t>Core</a:t>
+            </a:r>
+          </a:p>
+        </p:txBody>
+      </p:sp>
+    </p:spTree>
+    <p:extLst>
+      <p:ext uri="{BB962C8B-B14F-4D97-AF65-F5344CB8AC3E}">
+        <p14:creationId xmlns:p14="http://schemas.microsoft.com/office/powerpoint/2010/main" val="1836006921"/>
+      </p:ext>
+    </p:extLst>
+  </p:cSld>
+  <p:clrMapOvr>
+    <a:masterClrMapping/>
+  </p:clrMapOvr>
+</p:sld>
+</file>
+
+<file path=ppt/slides/slide12.xml><?xml version="1.0" encoding="utf-8"?>
+<p:sld xmlns:a="http://schemas.openxmlformats.org/drawingml/2006/main" xmlns:r="http://schemas.openxmlformats.org/officeDocument/2006/relationships" xmlns:p="http://schemas.openxmlformats.org/presentationml/2006/main">
+  <p:cSld>
+    <p:spTree>
+      <p:nvGrpSpPr>
+        <p:cNvPr id="1" name=""/>
+        <p:cNvGrpSpPr/>
+        <p:nvPr/>
+      </p:nvGrpSpPr>
+      <p:grpSpPr>
+        <a:xfrm>
+          <a:off x="0" y="0"/>
+          <a:ext cx="0" cy="0"/>
+          <a:chOff x="0" y="0"/>
+          <a:chExt cx="0" cy="0"/>
+        </a:xfrm>
+      </p:grpSpPr>
       <p:pic>
         <p:nvPicPr>
           <p:cNvPr id="3" name="Picture 2" descr="A picture containing tower, engine&#10;&#10;Description automatically generated">
@@ -6807,7 +7045,7 @@
 </p:sld>
 </file>
 
-<file path=ppt/slides/slide12.xml><?xml version="1.0" encoding="utf-8"?>
+<file path=ppt/slides/slide13.xml><?xml version="1.0" encoding="utf-8"?>
 <p:sld xmlns:a="http://schemas.openxmlformats.org/drawingml/2006/main" xmlns:r="http://schemas.openxmlformats.org/officeDocument/2006/relationships" xmlns:p="http://schemas.openxmlformats.org/presentationml/2006/main">
   <p:cSld>
     <p:spTree>
